--- a/docs/setting-samples-vmware-overview_ja.pptx
+++ b/docs/setting-samples-vmware-overview_ja.pptx
@@ -326,7 +326,7 @@
               <a:rPr kumimoji="1" lang="ja-JP" altLang="en-US" smtClean="0">
                 <a:ea typeface="メイリオ" panose="020B0604030504040204" pitchFamily="50" charset="-128"/>
               </a:rPr>
-              <a:t>2021/8/31</a:t>
+              <a:t>2021/11/2</a:t>
             </a:fld>
             <a:endParaRPr kumimoji="1" lang="ja-JP" altLang="en-US" dirty="0">
               <a:ea typeface="メイリオ" panose="020B0604030504040204" pitchFamily="50" charset="-128"/>
@@ -472,7 +472,7 @@
             <a:fld id="{4B26993D-C081-44EB-B0F5-A9F467792B62}" type="datetimeFigureOut">
               <a:rPr lang="ja-JP" altLang="en-US" smtClean="0"/>
               <a:pPr/>
-              <a:t>2021/8/31</a:t>
+              <a:t>2021/11/2</a:t>
             </a:fld>
             <a:endParaRPr lang="ja-JP" altLang="en-US" dirty="0"/>
           </a:p>
@@ -7402,26 +7402,30 @@
           <a:lstStyle/>
           <a:p>
             <a:r>
-              <a:rPr lang="ja-JP" altLang="en-US"/>
+              <a:rPr lang="ja-JP" altLang="en-US" dirty="0"/>
               <a:t>第</a:t>
             </a:r>
             <a:r>
-              <a:rPr lang="en-US" altLang="ja-JP" dirty="0"/>
-              <a:t>1.0</a:t>
-            </a:r>
-            <a:r>
-              <a:rPr lang="ja-JP" altLang="en-US"/>
-              <a:t>版 (</a:t>
-            </a:r>
-            <a:r>
-              <a:rPr lang="ja-JP">
+              <a:rPr lang="en-US" altLang="ja-JP" dirty="0" smtClean="0"/>
+              <a:t>1.1</a:t>
+            </a:r>
+            <a:r>
+              <a:rPr lang="ja-JP" altLang="en-US" dirty="0" smtClean="0"/>
+              <a:t>版 </a:t>
+            </a:r>
+            <a:r>
+              <a:rPr lang="ja-JP" altLang="en-US" dirty="0"/>
+              <a:t>(</a:t>
+            </a:r>
+            <a:r>
+              <a:rPr lang="ja-JP" dirty="0">
                 <a:ea typeface="+mn-lt"/>
                 <a:cs typeface="+mn-lt"/>
               </a:rPr>
               <a:t>ITAバージョン1.8.1版</a:t>
             </a:r>
             <a:r>
-              <a:rPr lang="ja-JP" altLang="en-US"/>
+              <a:rPr lang="ja-JP" altLang="en-US" dirty="0"/>
               <a:t>)</a:t>
             </a:r>
             <a:endParaRPr lang="en-US" altLang="ja-JP" dirty="0"/>
@@ -17004,103 +17008,6 @@
           </a:p>
         </p:txBody>
       </p:sp>
-      <p:sp>
-        <p:nvSpPr>
-          <p:cNvPr id="24" name="正方形/長方形 23"/>
-          <p:cNvSpPr/>
-          <p:nvPr/>
-        </p:nvSpPr>
-        <p:spPr>
-          <a:xfrm>
-            <a:off x="1497970" y="5888580"/>
-            <a:ext cx="956593" cy="383074"/>
-          </a:xfrm>
-          <a:prstGeom prst="rect">
-            <a:avLst/>
-          </a:prstGeom>
-          <a:solidFill>
-            <a:schemeClr val="bg1">
-              <a:lumMod val="95000"/>
-            </a:schemeClr>
-          </a:solidFill>
-          <a:ln>
-            <a:solidFill>
-              <a:schemeClr val="tx1"/>
-            </a:solidFill>
-          </a:ln>
-          <a:effectLst/>
-        </p:spPr>
-        <p:style>
-          <a:lnRef idx="1">
-            <a:schemeClr val="accent6"/>
-          </a:lnRef>
-          <a:fillRef idx="2">
-            <a:schemeClr val="accent6"/>
-          </a:fillRef>
-          <a:effectRef idx="1">
-            <a:schemeClr val="accent6"/>
-          </a:effectRef>
-          <a:fontRef idx="minor">
-            <a:schemeClr val="dk1"/>
-          </a:fontRef>
-        </p:style>
-        <p:txBody>
-          <a:bodyPr wrap="none" rtlCol="0" anchor="ctr"/>
-          <a:lstStyle/>
-          <a:p>
-            <a:pPr algn="ctr"/>
-            <a:r>
-              <a:rPr lang="ja-JP" altLang="en-US" sz="1050" dirty="0">
-                <a:latin typeface="+mn-ea"/>
-              </a:rPr>
-              <a:t>ログサーバー</a:t>
-            </a:r>
-            <a:r>
-              <a:rPr lang="en-US" altLang="ja-JP" sz="1050" baseline="30000" dirty="0">
-                <a:latin typeface="+mn-ea"/>
-              </a:rPr>
-              <a:t>※</a:t>
-            </a:r>
-          </a:p>
-        </p:txBody>
-      </p:sp>
-      <p:cxnSp>
-        <p:nvCxnSpPr>
-          <p:cNvPr id="25" name="直線コネクタ 24"/>
-          <p:cNvCxnSpPr/>
-          <p:nvPr/>
-        </p:nvCxnSpPr>
-        <p:spPr>
-          <a:xfrm flipV="1">
-            <a:off x="1976267" y="5631871"/>
-            <a:ext cx="0" cy="259200"/>
-          </a:xfrm>
-          <a:prstGeom prst="line">
-            <a:avLst/>
-          </a:prstGeom>
-          <a:ln w="19050">
-            <a:solidFill>
-              <a:schemeClr val="tx1"/>
-            </a:solidFill>
-            <a:headEnd type="oval" w="med" len="med"/>
-            <a:tailEnd type="oval" w="med" len="med"/>
-          </a:ln>
-        </p:spPr>
-        <p:style>
-          <a:lnRef idx="1">
-            <a:schemeClr val="accent1"/>
-          </a:lnRef>
-          <a:fillRef idx="0">
-            <a:schemeClr val="accent1"/>
-          </a:fillRef>
-          <a:effectRef idx="0">
-            <a:schemeClr val="accent1"/>
-          </a:effectRef>
-          <a:fontRef idx="minor">
-            <a:schemeClr val="tx1"/>
-          </a:fontRef>
-        </p:style>
-      </p:cxnSp>
       <p:cxnSp>
         <p:nvCxnSpPr>
           <p:cNvPr id="27" name="直線コネクタ 26"/>
@@ -18888,40 +18795,6 @@
           </a:graphicData>
         </a:graphic>
       </p:graphicFrame>
-      <p:sp>
-        <p:nvSpPr>
-          <p:cNvPr id="56" name="テキスト ボックス 55"/>
-          <p:cNvSpPr txBox="1"/>
-          <p:nvPr/>
-        </p:nvSpPr>
-        <p:spPr>
-          <a:xfrm>
-            <a:off x="8943126" y="6348461"/>
-            <a:ext cx="1656230" cy="276999"/>
-          </a:xfrm>
-          <a:prstGeom prst="rect">
-            <a:avLst/>
-          </a:prstGeom>
-          <a:noFill/>
-        </p:spPr>
-        <p:txBody>
-          <a:bodyPr wrap="square" rtlCol="0">
-            <a:spAutoFit/>
-          </a:bodyPr>
-          <a:lstStyle/>
-          <a:p>
-            <a:r>
-              <a:rPr kumimoji="1" lang="en-US" altLang="ja-JP" sz="1200" dirty="0"/>
-              <a:t>※ comin</a:t>
-            </a:r>
-            <a:r>
-              <a:rPr lang="en-US" altLang="ja-JP" sz="1200" dirty="0"/>
-              <a:t>g soon</a:t>
-            </a:r>
-            <a:endParaRPr kumimoji="1" lang="ja-JP" altLang="en-US" sz="1200" dirty="0"/>
-          </a:p>
-        </p:txBody>
-      </p:sp>
     </p:spTree>
     <p:extLst>
       <p:ext uri="{BB962C8B-B14F-4D97-AF65-F5344CB8AC3E}">
